--- a/Presentation.pptx
+++ b/Presentation.pptx
@@ -6,6 +6,7 @@
   </p:sldMasterIdLst>
   <p:sldIdLst>
     <p:sldId id="256" r:id="rId2"/>
+    <p:sldId id="257" r:id="rId3"/>
   </p:sldIdLst>
   <p:sldSz cx="12192000" cy="6858000"/>
   <p:notesSz cx="6858000" cy="9144000"/>
@@ -104,6 +105,11 @@
       </a:defRPr>
     </a:lvl9pPr>
   </p:defaultTextStyle>
+  <p:extLst>
+    <p:ext uri="{EFAFB233-063F-42B5-8137-9DF3F51BA10A}">
+      <p15:sldGuideLst xmlns:p15="http://schemas.microsoft.com/office/powerpoint/2012/main"/>
+    </p:ext>
+  </p:extLst>
 </p:presentation>
 </file>
 
@@ -256,7 +262,7 @@
           <a:p>
             <a:fld id="{B6390C33-F491-4F40-A175-29876BA1FA04}" type="datetimeFigureOut">
               <a:rPr lang="en-IN" smtClean="0"/>
-              <a:t>31-07-2024</a:t>
+              <a:t>07-08-2024</a:t>
             </a:fld>
             <a:endParaRPr lang="en-IN"/>
           </a:p>
@@ -456,7 +462,7 @@
           <a:p>
             <a:fld id="{B6390C33-F491-4F40-A175-29876BA1FA04}" type="datetimeFigureOut">
               <a:rPr lang="en-IN" smtClean="0"/>
-              <a:t>31-07-2024</a:t>
+              <a:t>07-08-2024</a:t>
             </a:fld>
             <a:endParaRPr lang="en-IN"/>
           </a:p>
@@ -666,7 +672,7 @@
           <a:p>
             <a:fld id="{B6390C33-F491-4F40-A175-29876BA1FA04}" type="datetimeFigureOut">
               <a:rPr lang="en-IN" smtClean="0"/>
-              <a:t>31-07-2024</a:t>
+              <a:t>07-08-2024</a:t>
             </a:fld>
             <a:endParaRPr lang="en-IN"/>
           </a:p>
@@ -866,7 +872,7 @@
           <a:p>
             <a:fld id="{B6390C33-F491-4F40-A175-29876BA1FA04}" type="datetimeFigureOut">
               <a:rPr lang="en-IN" smtClean="0"/>
-              <a:t>31-07-2024</a:t>
+              <a:t>07-08-2024</a:t>
             </a:fld>
             <a:endParaRPr lang="en-IN"/>
           </a:p>
@@ -1142,7 +1148,7 @@
           <a:p>
             <a:fld id="{B6390C33-F491-4F40-A175-29876BA1FA04}" type="datetimeFigureOut">
               <a:rPr lang="en-IN" smtClean="0"/>
-              <a:t>31-07-2024</a:t>
+              <a:t>07-08-2024</a:t>
             </a:fld>
             <a:endParaRPr lang="en-IN"/>
           </a:p>
@@ -1410,7 +1416,7 @@
           <a:p>
             <a:fld id="{B6390C33-F491-4F40-A175-29876BA1FA04}" type="datetimeFigureOut">
               <a:rPr lang="en-IN" smtClean="0"/>
-              <a:t>31-07-2024</a:t>
+              <a:t>07-08-2024</a:t>
             </a:fld>
             <a:endParaRPr lang="en-IN"/>
           </a:p>
@@ -1825,7 +1831,7 @@
           <a:p>
             <a:fld id="{B6390C33-F491-4F40-A175-29876BA1FA04}" type="datetimeFigureOut">
               <a:rPr lang="en-IN" smtClean="0"/>
-              <a:t>31-07-2024</a:t>
+              <a:t>07-08-2024</a:t>
             </a:fld>
             <a:endParaRPr lang="en-IN"/>
           </a:p>
@@ -1967,7 +1973,7 @@
           <a:p>
             <a:fld id="{B6390C33-F491-4F40-A175-29876BA1FA04}" type="datetimeFigureOut">
               <a:rPr lang="en-IN" smtClean="0"/>
-              <a:t>31-07-2024</a:t>
+              <a:t>07-08-2024</a:t>
             </a:fld>
             <a:endParaRPr lang="en-IN"/>
           </a:p>
@@ -2080,7 +2086,7 @@
           <a:p>
             <a:fld id="{B6390C33-F491-4F40-A175-29876BA1FA04}" type="datetimeFigureOut">
               <a:rPr lang="en-IN" smtClean="0"/>
-              <a:t>31-07-2024</a:t>
+              <a:t>07-08-2024</a:t>
             </a:fld>
             <a:endParaRPr lang="en-IN"/>
           </a:p>
@@ -2393,7 +2399,7 @@
           <a:p>
             <a:fld id="{B6390C33-F491-4F40-A175-29876BA1FA04}" type="datetimeFigureOut">
               <a:rPr lang="en-IN" smtClean="0"/>
-              <a:t>31-07-2024</a:t>
+              <a:t>07-08-2024</a:t>
             </a:fld>
             <a:endParaRPr lang="en-IN"/>
           </a:p>
@@ -2682,7 +2688,7 @@
           <a:p>
             <a:fld id="{B6390C33-F491-4F40-A175-29876BA1FA04}" type="datetimeFigureOut">
               <a:rPr lang="en-IN" smtClean="0"/>
-              <a:t>31-07-2024</a:t>
+              <a:t>07-08-2024</a:t>
             </a:fld>
             <a:endParaRPr lang="en-IN"/>
           </a:p>
@@ -2925,7 +2931,7 @@
           <a:p>
             <a:fld id="{B6390C33-F491-4F40-A175-29876BA1FA04}" type="datetimeFigureOut">
               <a:rPr lang="en-IN" smtClean="0"/>
-              <a:t>31-07-2024</a:t>
+              <a:t>07-08-2024</a:t>
             </a:fld>
             <a:endParaRPr lang="en-IN"/>
           </a:p>
@@ -4586,6 +4592,1813 @@
 </p:sld>
 </file>
 
+<file path=ppt/slides/slide2.xml><?xml version="1.0" encoding="utf-8"?>
+<p:sld xmlns:a="http://schemas.openxmlformats.org/drawingml/2006/main" xmlns:r="http://schemas.openxmlformats.org/officeDocument/2006/relationships" xmlns:p="http://schemas.openxmlformats.org/presentationml/2006/main">
+  <p:cSld>
+    <p:spTree>
+      <p:nvGrpSpPr>
+        <p:cNvPr id="1" name=""/>
+        <p:cNvGrpSpPr/>
+        <p:nvPr/>
+      </p:nvGrpSpPr>
+      <p:grpSpPr>
+        <a:xfrm>
+          <a:off x="0" y="0"/>
+          <a:ext cx="0" cy="0"/>
+          <a:chOff x="0" y="0"/>
+          <a:chExt cx="0" cy="0"/>
+        </a:xfrm>
+      </p:grpSpPr>
+      <p:sp>
+        <p:nvSpPr>
+          <p:cNvPr id="2" name="Rectangle: Rounded Corners 1">
+            <a:extLst>
+              <a:ext uri="{FF2B5EF4-FFF2-40B4-BE49-F238E27FC236}">
+                <a16:creationId xmlns:a16="http://schemas.microsoft.com/office/drawing/2014/main" id="{9B5747FE-4AD8-F5F2-6EA4-1AA6CC347A97}"/>
+              </a:ext>
+            </a:extLst>
+          </p:cNvPr>
+          <p:cNvSpPr/>
+          <p:nvPr/>
+        </p:nvSpPr>
+        <p:spPr>
+          <a:xfrm>
+            <a:off x="1216325" y="836762"/>
+            <a:ext cx="1863305" cy="914400"/>
+          </a:xfrm>
+          <a:prstGeom prst="roundRect">
+            <a:avLst/>
+          </a:prstGeom>
+        </p:spPr>
+        <p:style>
+          <a:lnRef idx="2">
+            <a:schemeClr val="accent1">
+              <a:shade val="15000"/>
+            </a:schemeClr>
+          </a:lnRef>
+          <a:fillRef idx="1">
+            <a:schemeClr val="accent1"/>
+          </a:fillRef>
+          <a:effectRef idx="0">
+            <a:schemeClr val="accent1"/>
+          </a:effectRef>
+          <a:fontRef idx="minor">
+            <a:schemeClr val="lt1"/>
+          </a:fontRef>
+        </p:style>
+        <p:txBody>
+          <a:bodyPr rtlCol="0" anchor="ctr"/>
+          <a:lstStyle/>
+          <a:p>
+            <a:pPr algn="ctr"/>
+            <a:r>
+              <a:rPr lang="en-US" dirty="0"/>
+              <a:t>Sender</a:t>
+            </a:r>
+            <a:endParaRPr lang="en-IN" dirty="0"/>
+          </a:p>
+        </p:txBody>
+      </p:sp>
+      <p:sp>
+        <p:nvSpPr>
+          <p:cNvPr id="3" name="Rectangle: Rounded Corners 2">
+            <a:extLst>
+              <a:ext uri="{FF2B5EF4-FFF2-40B4-BE49-F238E27FC236}">
+                <a16:creationId xmlns:a16="http://schemas.microsoft.com/office/drawing/2014/main" id="{B768C6B5-660B-1408-FCFF-3B9113333FBB}"/>
+              </a:ext>
+            </a:extLst>
+          </p:cNvPr>
+          <p:cNvSpPr/>
+          <p:nvPr/>
+        </p:nvSpPr>
+        <p:spPr>
+          <a:xfrm>
+            <a:off x="4229819" y="2671314"/>
+            <a:ext cx="1863305" cy="914400"/>
+          </a:xfrm>
+          <a:prstGeom prst="roundRect">
+            <a:avLst/>
+          </a:prstGeom>
+        </p:spPr>
+        <p:style>
+          <a:lnRef idx="2">
+            <a:schemeClr val="accent1">
+              <a:shade val="15000"/>
+            </a:schemeClr>
+          </a:lnRef>
+          <a:fillRef idx="1">
+            <a:schemeClr val="accent1"/>
+          </a:fillRef>
+          <a:effectRef idx="0">
+            <a:schemeClr val="accent1"/>
+          </a:effectRef>
+          <a:fontRef idx="minor">
+            <a:schemeClr val="lt1"/>
+          </a:fontRef>
+        </p:style>
+        <p:txBody>
+          <a:bodyPr rtlCol="0" anchor="ctr"/>
+          <a:lstStyle/>
+          <a:p>
+            <a:pPr algn="ctr"/>
+            <a:r>
+              <a:rPr lang="en-US" dirty="0"/>
+              <a:t>Data Link Layer</a:t>
+            </a:r>
+            <a:endParaRPr lang="en-IN" dirty="0"/>
+          </a:p>
+        </p:txBody>
+      </p:sp>
+      <p:sp>
+        <p:nvSpPr>
+          <p:cNvPr id="4" name="Rectangle: Rounded Corners 3">
+            <a:extLst>
+              <a:ext uri="{FF2B5EF4-FFF2-40B4-BE49-F238E27FC236}">
+                <a16:creationId xmlns:a16="http://schemas.microsoft.com/office/drawing/2014/main" id="{5637E7A0-0A11-97CE-FAA5-29DD610A3A79}"/>
+              </a:ext>
+            </a:extLst>
+          </p:cNvPr>
+          <p:cNvSpPr/>
+          <p:nvPr/>
+        </p:nvSpPr>
+        <p:spPr>
+          <a:xfrm>
+            <a:off x="7226062" y="836762"/>
+            <a:ext cx="1863305" cy="914400"/>
+          </a:xfrm>
+          <a:prstGeom prst="roundRect">
+            <a:avLst/>
+          </a:prstGeom>
+        </p:spPr>
+        <p:style>
+          <a:lnRef idx="2">
+            <a:schemeClr val="accent1">
+              <a:shade val="15000"/>
+            </a:schemeClr>
+          </a:lnRef>
+          <a:fillRef idx="1">
+            <a:schemeClr val="accent1"/>
+          </a:fillRef>
+          <a:effectRef idx="0">
+            <a:schemeClr val="accent1"/>
+          </a:effectRef>
+          <a:fontRef idx="minor">
+            <a:schemeClr val="lt1"/>
+          </a:fontRef>
+        </p:style>
+        <p:txBody>
+          <a:bodyPr rtlCol="0" anchor="ctr"/>
+          <a:lstStyle/>
+          <a:p>
+            <a:pPr algn="ctr"/>
+            <a:r>
+              <a:rPr lang="en-US" dirty="0"/>
+              <a:t>Presentation Layer</a:t>
+            </a:r>
+            <a:endParaRPr lang="en-IN" dirty="0"/>
+          </a:p>
+        </p:txBody>
+      </p:sp>
+      <p:sp>
+        <p:nvSpPr>
+          <p:cNvPr id="5" name="Rectangle: Rounded Corners 4">
+            <a:extLst>
+              <a:ext uri="{FF2B5EF4-FFF2-40B4-BE49-F238E27FC236}">
+                <a16:creationId xmlns:a16="http://schemas.microsoft.com/office/drawing/2014/main" id="{2CA69B18-8577-8ACC-DE81-77B0EBD56DAB}"/>
+              </a:ext>
+            </a:extLst>
+          </p:cNvPr>
+          <p:cNvSpPr/>
+          <p:nvPr/>
+        </p:nvSpPr>
+        <p:spPr>
+          <a:xfrm>
+            <a:off x="10156166" y="2671314"/>
+            <a:ext cx="1863305" cy="914400"/>
+          </a:xfrm>
+          <a:prstGeom prst="roundRect">
+            <a:avLst/>
+          </a:prstGeom>
+        </p:spPr>
+        <p:style>
+          <a:lnRef idx="2">
+            <a:schemeClr val="accent1">
+              <a:shade val="15000"/>
+            </a:schemeClr>
+          </a:lnRef>
+          <a:fillRef idx="1">
+            <a:schemeClr val="accent1"/>
+          </a:fillRef>
+          <a:effectRef idx="0">
+            <a:schemeClr val="accent1"/>
+          </a:effectRef>
+          <a:fontRef idx="minor">
+            <a:schemeClr val="lt1"/>
+          </a:fontRef>
+        </p:style>
+        <p:txBody>
+          <a:bodyPr rtlCol="0" anchor="ctr"/>
+          <a:lstStyle/>
+          <a:p>
+            <a:pPr algn="ctr"/>
+            <a:r>
+              <a:rPr lang="en-US" dirty="0"/>
+              <a:t>Transport Layer</a:t>
+            </a:r>
+            <a:endParaRPr lang="en-IN" dirty="0"/>
+          </a:p>
+        </p:txBody>
+      </p:sp>
+      <p:sp>
+        <p:nvSpPr>
+          <p:cNvPr id="6" name="Rectangle: Rounded Corners 5">
+            <a:extLst>
+              <a:ext uri="{FF2B5EF4-FFF2-40B4-BE49-F238E27FC236}">
+                <a16:creationId xmlns:a16="http://schemas.microsoft.com/office/drawing/2014/main" id="{EB3DE5A8-664A-D736-8ACC-1EACD91311CD}"/>
+              </a:ext>
+            </a:extLst>
+          </p:cNvPr>
+          <p:cNvSpPr/>
+          <p:nvPr/>
+        </p:nvSpPr>
+        <p:spPr>
+          <a:xfrm>
+            <a:off x="7226061" y="2671314"/>
+            <a:ext cx="1863305" cy="914400"/>
+          </a:xfrm>
+          <a:prstGeom prst="roundRect">
+            <a:avLst/>
+          </a:prstGeom>
+        </p:spPr>
+        <p:style>
+          <a:lnRef idx="2">
+            <a:schemeClr val="accent1">
+              <a:shade val="15000"/>
+            </a:schemeClr>
+          </a:lnRef>
+          <a:fillRef idx="1">
+            <a:schemeClr val="accent1"/>
+          </a:fillRef>
+          <a:effectRef idx="0">
+            <a:schemeClr val="accent1"/>
+          </a:effectRef>
+          <a:fontRef idx="minor">
+            <a:schemeClr val="lt1"/>
+          </a:fontRef>
+        </p:style>
+        <p:txBody>
+          <a:bodyPr rtlCol="0" anchor="ctr"/>
+          <a:lstStyle/>
+          <a:p>
+            <a:pPr algn="ctr"/>
+            <a:r>
+              <a:rPr lang="en-US" dirty="0"/>
+              <a:t>Network Layer</a:t>
+            </a:r>
+            <a:endParaRPr lang="en-IN" dirty="0"/>
+          </a:p>
+        </p:txBody>
+      </p:sp>
+      <p:sp>
+        <p:nvSpPr>
+          <p:cNvPr id="7" name="Rectangle: Rounded Corners 6">
+            <a:extLst>
+              <a:ext uri="{FF2B5EF4-FFF2-40B4-BE49-F238E27FC236}">
+                <a16:creationId xmlns:a16="http://schemas.microsoft.com/office/drawing/2014/main" id="{C73154A1-1806-4721-BF2A-3B5082DD41B8}"/>
+              </a:ext>
+            </a:extLst>
+          </p:cNvPr>
+          <p:cNvSpPr/>
+          <p:nvPr/>
+        </p:nvSpPr>
+        <p:spPr>
+          <a:xfrm>
+            <a:off x="10156167" y="836762"/>
+            <a:ext cx="1863305" cy="914400"/>
+          </a:xfrm>
+          <a:prstGeom prst="roundRect">
+            <a:avLst/>
+          </a:prstGeom>
+        </p:spPr>
+        <p:style>
+          <a:lnRef idx="2">
+            <a:schemeClr val="accent1">
+              <a:shade val="15000"/>
+            </a:schemeClr>
+          </a:lnRef>
+          <a:fillRef idx="1">
+            <a:schemeClr val="accent1"/>
+          </a:fillRef>
+          <a:effectRef idx="0">
+            <a:schemeClr val="accent1"/>
+          </a:effectRef>
+          <a:fontRef idx="minor">
+            <a:schemeClr val="lt1"/>
+          </a:fontRef>
+        </p:style>
+        <p:txBody>
+          <a:bodyPr rtlCol="0" anchor="ctr"/>
+          <a:lstStyle/>
+          <a:p>
+            <a:pPr algn="ctr"/>
+            <a:r>
+              <a:rPr lang="en-US" dirty="0"/>
+              <a:t>Session Layer</a:t>
+            </a:r>
+            <a:endParaRPr lang="en-IN" dirty="0"/>
+          </a:p>
+        </p:txBody>
+      </p:sp>
+      <p:sp>
+        <p:nvSpPr>
+          <p:cNvPr id="8" name="Rectangle: Rounded Corners 7">
+            <a:extLst>
+              <a:ext uri="{FF2B5EF4-FFF2-40B4-BE49-F238E27FC236}">
+                <a16:creationId xmlns:a16="http://schemas.microsoft.com/office/drawing/2014/main" id="{8A8591CA-2955-3AC5-E9A2-DF76D3A94AFA}"/>
+              </a:ext>
+            </a:extLst>
+          </p:cNvPr>
+          <p:cNvSpPr/>
+          <p:nvPr/>
+        </p:nvSpPr>
+        <p:spPr>
+          <a:xfrm>
+            <a:off x="1216324" y="2671314"/>
+            <a:ext cx="1863305" cy="914400"/>
+          </a:xfrm>
+          <a:prstGeom prst="roundRect">
+            <a:avLst/>
+          </a:prstGeom>
+        </p:spPr>
+        <p:style>
+          <a:lnRef idx="2">
+            <a:schemeClr val="accent1">
+              <a:shade val="15000"/>
+            </a:schemeClr>
+          </a:lnRef>
+          <a:fillRef idx="1">
+            <a:schemeClr val="accent1"/>
+          </a:fillRef>
+          <a:effectRef idx="0">
+            <a:schemeClr val="accent1"/>
+          </a:effectRef>
+          <a:fontRef idx="minor">
+            <a:schemeClr val="lt1"/>
+          </a:fontRef>
+        </p:style>
+        <p:txBody>
+          <a:bodyPr rtlCol="0" anchor="ctr"/>
+          <a:lstStyle/>
+          <a:p>
+            <a:pPr algn="ctr"/>
+            <a:r>
+              <a:rPr lang="en-US" dirty="0"/>
+              <a:t>Physical Layer</a:t>
+            </a:r>
+            <a:endParaRPr lang="en-IN" dirty="0"/>
+          </a:p>
+        </p:txBody>
+      </p:sp>
+      <p:sp>
+        <p:nvSpPr>
+          <p:cNvPr id="9" name="Rectangle: Rounded Corners 8">
+            <a:extLst>
+              <a:ext uri="{FF2B5EF4-FFF2-40B4-BE49-F238E27FC236}">
+                <a16:creationId xmlns:a16="http://schemas.microsoft.com/office/drawing/2014/main" id="{8E9C2A63-EF97-1CA7-CF6D-784F9F7009FB}"/>
+              </a:ext>
+            </a:extLst>
+          </p:cNvPr>
+          <p:cNvSpPr/>
+          <p:nvPr/>
+        </p:nvSpPr>
+        <p:spPr>
+          <a:xfrm>
+            <a:off x="4232695" y="836762"/>
+            <a:ext cx="1863305" cy="914400"/>
+          </a:xfrm>
+          <a:prstGeom prst="roundRect">
+            <a:avLst/>
+          </a:prstGeom>
+        </p:spPr>
+        <p:style>
+          <a:lnRef idx="2">
+            <a:schemeClr val="accent1">
+              <a:shade val="15000"/>
+            </a:schemeClr>
+          </a:lnRef>
+          <a:fillRef idx="1">
+            <a:schemeClr val="accent1"/>
+          </a:fillRef>
+          <a:effectRef idx="0">
+            <a:schemeClr val="accent1"/>
+          </a:effectRef>
+          <a:fontRef idx="minor">
+            <a:schemeClr val="lt1"/>
+          </a:fontRef>
+        </p:style>
+        <p:txBody>
+          <a:bodyPr rtlCol="0" anchor="ctr"/>
+          <a:lstStyle/>
+          <a:p>
+            <a:pPr algn="ctr"/>
+            <a:r>
+              <a:rPr lang="en-US" dirty="0"/>
+              <a:t>Application Layer</a:t>
+            </a:r>
+            <a:endParaRPr lang="en-IN" dirty="0"/>
+          </a:p>
+        </p:txBody>
+      </p:sp>
+      <p:sp>
+        <p:nvSpPr>
+          <p:cNvPr id="10" name="Rectangle: Rounded Corners 9">
+            <a:extLst>
+              <a:ext uri="{FF2B5EF4-FFF2-40B4-BE49-F238E27FC236}">
+                <a16:creationId xmlns:a16="http://schemas.microsoft.com/office/drawing/2014/main" id="{63C91D31-5808-2A7F-5311-8686FA3A22A6}"/>
+              </a:ext>
+            </a:extLst>
+          </p:cNvPr>
+          <p:cNvSpPr/>
+          <p:nvPr/>
+        </p:nvSpPr>
+        <p:spPr>
+          <a:xfrm>
+            <a:off x="1216323" y="4192439"/>
+            <a:ext cx="1863305" cy="914400"/>
+          </a:xfrm>
+          <a:prstGeom prst="roundRect">
+            <a:avLst/>
+          </a:prstGeom>
+        </p:spPr>
+        <p:style>
+          <a:lnRef idx="3">
+            <a:schemeClr val="lt1"/>
+          </a:lnRef>
+          <a:fillRef idx="1">
+            <a:schemeClr val="accent6"/>
+          </a:fillRef>
+          <a:effectRef idx="1">
+            <a:schemeClr val="accent6"/>
+          </a:effectRef>
+          <a:fontRef idx="minor">
+            <a:schemeClr val="lt1"/>
+          </a:fontRef>
+        </p:style>
+        <p:txBody>
+          <a:bodyPr rtlCol="0" anchor="ctr"/>
+          <a:lstStyle/>
+          <a:p>
+            <a:pPr algn="ctr"/>
+            <a:r>
+              <a:rPr lang="en-US" dirty="0"/>
+              <a:t>Physical Layer</a:t>
+            </a:r>
+            <a:endParaRPr lang="en-IN" dirty="0"/>
+          </a:p>
+        </p:txBody>
+      </p:sp>
+      <p:sp>
+        <p:nvSpPr>
+          <p:cNvPr id="11" name="Rectangle: Rounded Corners 10">
+            <a:extLst>
+              <a:ext uri="{FF2B5EF4-FFF2-40B4-BE49-F238E27FC236}">
+                <a16:creationId xmlns:a16="http://schemas.microsoft.com/office/drawing/2014/main" id="{C0BE5D11-C6E3-82B7-E12F-81288C2211FC}"/>
+              </a:ext>
+            </a:extLst>
+          </p:cNvPr>
+          <p:cNvSpPr/>
+          <p:nvPr/>
+        </p:nvSpPr>
+        <p:spPr>
+          <a:xfrm>
+            <a:off x="4229819" y="5719318"/>
+            <a:ext cx="1863305" cy="914400"/>
+          </a:xfrm>
+          <a:prstGeom prst="roundRect">
+            <a:avLst/>
+          </a:prstGeom>
+        </p:spPr>
+        <p:style>
+          <a:lnRef idx="3">
+            <a:schemeClr val="lt1"/>
+          </a:lnRef>
+          <a:fillRef idx="1">
+            <a:schemeClr val="accent6"/>
+          </a:fillRef>
+          <a:effectRef idx="1">
+            <a:schemeClr val="accent6"/>
+          </a:effectRef>
+          <a:fontRef idx="minor">
+            <a:schemeClr val="lt1"/>
+          </a:fontRef>
+        </p:style>
+        <p:txBody>
+          <a:bodyPr rtlCol="0" anchor="ctr"/>
+          <a:lstStyle/>
+          <a:p>
+            <a:pPr algn="ctr"/>
+            <a:r>
+              <a:rPr lang="en-US" dirty="0"/>
+              <a:t>Application Layer</a:t>
+            </a:r>
+            <a:endParaRPr lang="en-IN" dirty="0"/>
+          </a:p>
+        </p:txBody>
+      </p:sp>
+      <p:sp>
+        <p:nvSpPr>
+          <p:cNvPr id="12" name="Rectangle: Rounded Corners 11">
+            <a:extLst>
+              <a:ext uri="{FF2B5EF4-FFF2-40B4-BE49-F238E27FC236}">
+                <a16:creationId xmlns:a16="http://schemas.microsoft.com/office/drawing/2014/main" id="{325CDBEA-0495-1BE1-F401-4B65CA4FAD26}"/>
+              </a:ext>
+            </a:extLst>
+          </p:cNvPr>
+          <p:cNvSpPr/>
+          <p:nvPr/>
+        </p:nvSpPr>
+        <p:spPr>
+          <a:xfrm>
+            <a:off x="10156166" y="5719318"/>
+            <a:ext cx="1863305" cy="914400"/>
+          </a:xfrm>
+          <a:prstGeom prst="roundRect">
+            <a:avLst/>
+          </a:prstGeom>
+        </p:spPr>
+        <p:style>
+          <a:lnRef idx="3">
+            <a:schemeClr val="lt1"/>
+          </a:lnRef>
+          <a:fillRef idx="1">
+            <a:schemeClr val="accent6"/>
+          </a:fillRef>
+          <a:effectRef idx="1">
+            <a:schemeClr val="accent6"/>
+          </a:effectRef>
+          <a:fontRef idx="minor">
+            <a:schemeClr val="lt1"/>
+          </a:fontRef>
+        </p:style>
+        <p:txBody>
+          <a:bodyPr rtlCol="0" anchor="ctr"/>
+          <a:lstStyle/>
+          <a:p>
+            <a:pPr algn="ctr"/>
+            <a:r>
+              <a:rPr lang="en-US" dirty="0"/>
+              <a:t>Session Layer</a:t>
+            </a:r>
+            <a:endParaRPr lang="en-IN" dirty="0"/>
+          </a:p>
+        </p:txBody>
+      </p:sp>
+      <p:sp>
+        <p:nvSpPr>
+          <p:cNvPr id="13" name="Rectangle: Rounded Corners 12">
+            <a:extLst>
+              <a:ext uri="{FF2B5EF4-FFF2-40B4-BE49-F238E27FC236}">
+                <a16:creationId xmlns:a16="http://schemas.microsoft.com/office/drawing/2014/main" id="{383F27D9-7159-032E-598D-D087B8DD634C}"/>
+              </a:ext>
+            </a:extLst>
+          </p:cNvPr>
+          <p:cNvSpPr/>
+          <p:nvPr/>
+        </p:nvSpPr>
+        <p:spPr>
+          <a:xfrm>
+            <a:off x="4229818" y="4192439"/>
+            <a:ext cx="1863305" cy="914400"/>
+          </a:xfrm>
+          <a:prstGeom prst="roundRect">
+            <a:avLst/>
+          </a:prstGeom>
+        </p:spPr>
+        <p:style>
+          <a:lnRef idx="3">
+            <a:schemeClr val="lt1"/>
+          </a:lnRef>
+          <a:fillRef idx="1">
+            <a:schemeClr val="accent6"/>
+          </a:fillRef>
+          <a:effectRef idx="1">
+            <a:schemeClr val="accent6"/>
+          </a:effectRef>
+          <a:fontRef idx="minor">
+            <a:schemeClr val="lt1"/>
+          </a:fontRef>
+        </p:style>
+        <p:txBody>
+          <a:bodyPr rtlCol="0" anchor="ctr"/>
+          <a:lstStyle/>
+          <a:p>
+            <a:pPr algn="ctr"/>
+            <a:r>
+              <a:rPr lang="en-US" dirty="0"/>
+              <a:t>Data Link Layer</a:t>
+            </a:r>
+            <a:endParaRPr lang="en-IN" dirty="0"/>
+          </a:p>
+        </p:txBody>
+      </p:sp>
+      <p:sp>
+        <p:nvSpPr>
+          <p:cNvPr id="14" name="Rectangle: Rounded Corners 13">
+            <a:extLst>
+              <a:ext uri="{FF2B5EF4-FFF2-40B4-BE49-F238E27FC236}">
+                <a16:creationId xmlns:a16="http://schemas.microsoft.com/office/drawing/2014/main" id="{AC5D9CD6-D0A8-E4EF-3325-6F33EB8E3F0F}"/>
+              </a:ext>
+            </a:extLst>
+          </p:cNvPr>
+          <p:cNvSpPr/>
+          <p:nvPr/>
+        </p:nvSpPr>
+        <p:spPr>
+          <a:xfrm>
+            <a:off x="10156166" y="4198191"/>
+            <a:ext cx="1863305" cy="914400"/>
+          </a:xfrm>
+          <a:prstGeom prst="roundRect">
+            <a:avLst/>
+          </a:prstGeom>
+        </p:spPr>
+        <p:style>
+          <a:lnRef idx="3">
+            <a:schemeClr val="lt1"/>
+          </a:lnRef>
+          <a:fillRef idx="1">
+            <a:schemeClr val="accent6"/>
+          </a:fillRef>
+          <a:effectRef idx="1">
+            <a:schemeClr val="accent6"/>
+          </a:effectRef>
+          <a:fontRef idx="minor">
+            <a:schemeClr val="lt1"/>
+          </a:fontRef>
+        </p:style>
+        <p:txBody>
+          <a:bodyPr rtlCol="0" anchor="ctr"/>
+          <a:lstStyle/>
+          <a:p>
+            <a:pPr algn="ctr"/>
+            <a:r>
+              <a:rPr lang="en-US" dirty="0"/>
+              <a:t>Transport Layer</a:t>
+            </a:r>
+            <a:endParaRPr lang="en-IN" dirty="0"/>
+          </a:p>
+        </p:txBody>
+      </p:sp>
+      <p:sp>
+        <p:nvSpPr>
+          <p:cNvPr id="15" name="Rectangle: Rounded Corners 14">
+            <a:extLst>
+              <a:ext uri="{FF2B5EF4-FFF2-40B4-BE49-F238E27FC236}">
+                <a16:creationId xmlns:a16="http://schemas.microsoft.com/office/drawing/2014/main" id="{85CBFAE3-F0E5-5552-DB75-9A7F67E5BEE0}"/>
+              </a:ext>
+            </a:extLst>
+          </p:cNvPr>
+          <p:cNvSpPr/>
+          <p:nvPr/>
+        </p:nvSpPr>
+        <p:spPr>
+          <a:xfrm>
+            <a:off x="7343952" y="5719318"/>
+            <a:ext cx="1863305" cy="914400"/>
+          </a:xfrm>
+          <a:prstGeom prst="roundRect">
+            <a:avLst/>
+          </a:prstGeom>
+        </p:spPr>
+        <p:style>
+          <a:lnRef idx="3">
+            <a:schemeClr val="lt1"/>
+          </a:lnRef>
+          <a:fillRef idx="1">
+            <a:schemeClr val="accent6"/>
+          </a:fillRef>
+          <a:effectRef idx="1">
+            <a:schemeClr val="accent6"/>
+          </a:effectRef>
+          <a:fontRef idx="minor">
+            <a:schemeClr val="lt1"/>
+          </a:fontRef>
+        </p:style>
+        <p:txBody>
+          <a:bodyPr rtlCol="0" anchor="ctr"/>
+          <a:lstStyle/>
+          <a:p>
+            <a:pPr algn="ctr"/>
+            <a:r>
+              <a:rPr lang="en-US" dirty="0"/>
+              <a:t>Presentation Layer</a:t>
+            </a:r>
+            <a:endParaRPr lang="en-IN" dirty="0"/>
+          </a:p>
+        </p:txBody>
+      </p:sp>
+      <p:sp>
+        <p:nvSpPr>
+          <p:cNvPr id="16" name="Rectangle: Rounded Corners 15">
+            <a:extLst>
+              <a:ext uri="{FF2B5EF4-FFF2-40B4-BE49-F238E27FC236}">
+                <a16:creationId xmlns:a16="http://schemas.microsoft.com/office/drawing/2014/main" id="{B225E5E0-5237-260C-F9F4-E7BE468EFD4C}"/>
+              </a:ext>
+            </a:extLst>
+          </p:cNvPr>
+          <p:cNvSpPr/>
+          <p:nvPr/>
+        </p:nvSpPr>
+        <p:spPr>
+          <a:xfrm>
+            <a:off x="7343952" y="4192439"/>
+            <a:ext cx="1863305" cy="914400"/>
+          </a:xfrm>
+          <a:prstGeom prst="roundRect">
+            <a:avLst/>
+          </a:prstGeom>
+        </p:spPr>
+        <p:style>
+          <a:lnRef idx="3">
+            <a:schemeClr val="lt1"/>
+          </a:lnRef>
+          <a:fillRef idx="1">
+            <a:schemeClr val="accent6"/>
+          </a:fillRef>
+          <a:effectRef idx="1">
+            <a:schemeClr val="accent6"/>
+          </a:effectRef>
+          <a:fontRef idx="minor">
+            <a:schemeClr val="lt1"/>
+          </a:fontRef>
+        </p:style>
+        <p:txBody>
+          <a:bodyPr rtlCol="0" anchor="ctr"/>
+          <a:lstStyle/>
+          <a:p>
+            <a:pPr algn="ctr"/>
+            <a:r>
+              <a:rPr lang="en-US" dirty="0"/>
+              <a:t>Network Layer</a:t>
+            </a:r>
+            <a:endParaRPr lang="en-IN" dirty="0"/>
+          </a:p>
+        </p:txBody>
+      </p:sp>
+      <p:sp>
+        <p:nvSpPr>
+          <p:cNvPr id="17" name="Rectangle: Rounded Corners 16">
+            <a:extLst>
+              <a:ext uri="{FF2B5EF4-FFF2-40B4-BE49-F238E27FC236}">
+                <a16:creationId xmlns:a16="http://schemas.microsoft.com/office/drawing/2014/main" id="{20CEA14A-9C06-4EF6-E350-9BE9531FA161}"/>
+              </a:ext>
+            </a:extLst>
+          </p:cNvPr>
+          <p:cNvSpPr/>
+          <p:nvPr/>
+        </p:nvSpPr>
+        <p:spPr>
+          <a:xfrm>
+            <a:off x="1216322" y="5719318"/>
+            <a:ext cx="1863305" cy="914400"/>
+          </a:xfrm>
+          <a:prstGeom prst="roundRect">
+            <a:avLst/>
+          </a:prstGeom>
+        </p:spPr>
+        <p:style>
+          <a:lnRef idx="3">
+            <a:schemeClr val="lt1"/>
+          </a:lnRef>
+          <a:fillRef idx="1">
+            <a:schemeClr val="accent6"/>
+          </a:fillRef>
+          <a:effectRef idx="1">
+            <a:schemeClr val="accent6"/>
+          </a:effectRef>
+          <a:fontRef idx="minor">
+            <a:schemeClr val="lt1"/>
+          </a:fontRef>
+        </p:style>
+        <p:txBody>
+          <a:bodyPr rtlCol="0" anchor="ctr"/>
+          <a:lstStyle/>
+          <a:p>
+            <a:pPr algn="ctr"/>
+            <a:r>
+              <a:rPr lang="en-US" dirty="0"/>
+              <a:t>Receiver</a:t>
+            </a:r>
+            <a:endParaRPr lang="en-IN" dirty="0"/>
+          </a:p>
+        </p:txBody>
+      </p:sp>
+      <p:cxnSp>
+        <p:nvCxnSpPr>
+          <p:cNvPr id="18" name="Straight Arrow Connector 17">
+            <a:extLst>
+              <a:ext uri="{FF2B5EF4-FFF2-40B4-BE49-F238E27FC236}">
+                <a16:creationId xmlns:a16="http://schemas.microsoft.com/office/drawing/2014/main" id="{EF428725-561E-1127-3447-6E8667C7EE36}"/>
+              </a:ext>
+            </a:extLst>
+          </p:cNvPr>
+          <p:cNvCxnSpPr>
+            <a:cxnSpLocks/>
+            <a:stCxn id="2" idx="3"/>
+            <a:endCxn id="9" idx="1"/>
+          </p:cNvCxnSpPr>
+          <p:nvPr/>
+        </p:nvCxnSpPr>
+        <p:spPr>
+          <a:xfrm>
+            <a:off x="3079630" y="1293962"/>
+            <a:ext cx="1153065" cy="0"/>
+          </a:xfrm>
+          <a:prstGeom prst="straightConnector1">
+            <a:avLst/>
+          </a:prstGeom>
+          <a:ln>
+            <a:tailEnd type="triangle"/>
+          </a:ln>
+        </p:spPr>
+        <p:style>
+          <a:lnRef idx="1">
+            <a:schemeClr val="accent1"/>
+          </a:lnRef>
+          <a:fillRef idx="0">
+            <a:schemeClr val="accent1"/>
+          </a:fillRef>
+          <a:effectRef idx="0">
+            <a:schemeClr val="accent1"/>
+          </a:effectRef>
+          <a:fontRef idx="minor">
+            <a:schemeClr val="tx1"/>
+          </a:fontRef>
+        </p:style>
+      </p:cxnSp>
+      <p:cxnSp>
+        <p:nvCxnSpPr>
+          <p:cNvPr id="19" name="Straight Arrow Connector 18">
+            <a:extLst>
+              <a:ext uri="{FF2B5EF4-FFF2-40B4-BE49-F238E27FC236}">
+                <a16:creationId xmlns:a16="http://schemas.microsoft.com/office/drawing/2014/main" id="{B9E69A02-17F5-B33D-A6AC-0C98FEC833BE}"/>
+              </a:ext>
+            </a:extLst>
+          </p:cNvPr>
+          <p:cNvCxnSpPr>
+            <a:cxnSpLocks/>
+            <a:stCxn id="7" idx="2"/>
+            <a:endCxn id="5" idx="0"/>
+          </p:cNvCxnSpPr>
+          <p:nvPr/>
+        </p:nvCxnSpPr>
+        <p:spPr>
+          <a:xfrm flipH="1">
+            <a:off x="11087819" y="1751162"/>
+            <a:ext cx="1" cy="920152"/>
+          </a:xfrm>
+          <a:prstGeom prst="straightConnector1">
+            <a:avLst/>
+          </a:prstGeom>
+          <a:ln>
+            <a:tailEnd type="triangle"/>
+          </a:ln>
+        </p:spPr>
+        <p:style>
+          <a:lnRef idx="1">
+            <a:schemeClr val="accent1"/>
+          </a:lnRef>
+          <a:fillRef idx="0">
+            <a:schemeClr val="accent1"/>
+          </a:fillRef>
+          <a:effectRef idx="0">
+            <a:schemeClr val="accent1"/>
+          </a:effectRef>
+          <a:fontRef idx="minor">
+            <a:schemeClr val="tx1"/>
+          </a:fontRef>
+        </p:style>
+      </p:cxnSp>
+      <p:cxnSp>
+        <p:nvCxnSpPr>
+          <p:cNvPr id="20" name="Straight Arrow Connector 19">
+            <a:extLst>
+              <a:ext uri="{FF2B5EF4-FFF2-40B4-BE49-F238E27FC236}">
+                <a16:creationId xmlns:a16="http://schemas.microsoft.com/office/drawing/2014/main" id="{75A14645-E515-F696-D05C-5AC95EE8B477}"/>
+              </a:ext>
+            </a:extLst>
+          </p:cNvPr>
+          <p:cNvCxnSpPr>
+            <a:cxnSpLocks/>
+            <a:stCxn id="4" idx="3"/>
+            <a:endCxn id="7" idx="1"/>
+          </p:cNvCxnSpPr>
+          <p:nvPr/>
+        </p:nvCxnSpPr>
+        <p:spPr>
+          <a:xfrm>
+            <a:off x="9089367" y="1293962"/>
+            <a:ext cx="1066800" cy="0"/>
+          </a:xfrm>
+          <a:prstGeom prst="straightConnector1">
+            <a:avLst/>
+          </a:prstGeom>
+          <a:ln>
+            <a:tailEnd type="triangle"/>
+          </a:ln>
+        </p:spPr>
+        <p:style>
+          <a:lnRef idx="1">
+            <a:schemeClr val="accent1"/>
+          </a:lnRef>
+          <a:fillRef idx="0">
+            <a:schemeClr val="accent1"/>
+          </a:fillRef>
+          <a:effectRef idx="0">
+            <a:schemeClr val="accent1"/>
+          </a:effectRef>
+          <a:fontRef idx="minor">
+            <a:schemeClr val="tx1"/>
+          </a:fontRef>
+        </p:style>
+      </p:cxnSp>
+      <p:cxnSp>
+        <p:nvCxnSpPr>
+          <p:cNvPr id="21" name="Straight Arrow Connector 20">
+            <a:extLst>
+              <a:ext uri="{FF2B5EF4-FFF2-40B4-BE49-F238E27FC236}">
+                <a16:creationId xmlns:a16="http://schemas.microsoft.com/office/drawing/2014/main" id="{54FA9D88-D945-5015-32F0-529C6A202F3A}"/>
+              </a:ext>
+            </a:extLst>
+          </p:cNvPr>
+          <p:cNvCxnSpPr>
+            <a:cxnSpLocks/>
+            <a:stCxn id="9" idx="3"/>
+            <a:endCxn id="4" idx="1"/>
+          </p:cNvCxnSpPr>
+          <p:nvPr/>
+        </p:nvCxnSpPr>
+        <p:spPr>
+          <a:xfrm>
+            <a:off x="6096000" y="1293962"/>
+            <a:ext cx="1130062" cy="0"/>
+          </a:xfrm>
+          <a:prstGeom prst="straightConnector1">
+            <a:avLst/>
+          </a:prstGeom>
+          <a:ln>
+            <a:tailEnd type="triangle"/>
+          </a:ln>
+        </p:spPr>
+        <p:style>
+          <a:lnRef idx="1">
+            <a:schemeClr val="accent1"/>
+          </a:lnRef>
+          <a:fillRef idx="0">
+            <a:schemeClr val="accent1"/>
+          </a:fillRef>
+          <a:effectRef idx="0">
+            <a:schemeClr val="accent1"/>
+          </a:effectRef>
+          <a:fontRef idx="minor">
+            <a:schemeClr val="tx1"/>
+          </a:fontRef>
+        </p:style>
+      </p:cxnSp>
+      <p:cxnSp>
+        <p:nvCxnSpPr>
+          <p:cNvPr id="22" name="Straight Arrow Connector 21">
+            <a:extLst>
+              <a:ext uri="{FF2B5EF4-FFF2-40B4-BE49-F238E27FC236}">
+                <a16:creationId xmlns:a16="http://schemas.microsoft.com/office/drawing/2014/main" id="{B62AD13B-CE11-6116-141D-C46D42E93821}"/>
+              </a:ext>
+            </a:extLst>
+          </p:cNvPr>
+          <p:cNvCxnSpPr>
+            <a:cxnSpLocks/>
+            <a:stCxn id="5" idx="1"/>
+            <a:endCxn id="6" idx="3"/>
+          </p:cNvCxnSpPr>
+          <p:nvPr/>
+        </p:nvCxnSpPr>
+        <p:spPr>
+          <a:xfrm flipH="1">
+            <a:off x="9089366" y="3128514"/>
+            <a:ext cx="1066800" cy="0"/>
+          </a:xfrm>
+          <a:prstGeom prst="straightConnector1">
+            <a:avLst/>
+          </a:prstGeom>
+          <a:ln>
+            <a:tailEnd type="triangle"/>
+          </a:ln>
+        </p:spPr>
+        <p:style>
+          <a:lnRef idx="1">
+            <a:schemeClr val="accent1"/>
+          </a:lnRef>
+          <a:fillRef idx="0">
+            <a:schemeClr val="accent1"/>
+          </a:fillRef>
+          <a:effectRef idx="0">
+            <a:schemeClr val="accent1"/>
+          </a:effectRef>
+          <a:fontRef idx="minor">
+            <a:schemeClr val="tx1"/>
+          </a:fontRef>
+        </p:style>
+      </p:cxnSp>
+      <p:cxnSp>
+        <p:nvCxnSpPr>
+          <p:cNvPr id="23" name="Straight Arrow Connector 22">
+            <a:extLst>
+              <a:ext uri="{FF2B5EF4-FFF2-40B4-BE49-F238E27FC236}">
+                <a16:creationId xmlns:a16="http://schemas.microsoft.com/office/drawing/2014/main" id="{4F2403CC-7FA7-D13D-CFAD-6AC75B58D083}"/>
+              </a:ext>
+            </a:extLst>
+          </p:cNvPr>
+          <p:cNvCxnSpPr>
+            <a:cxnSpLocks/>
+            <a:stCxn id="6" idx="1"/>
+            <a:endCxn id="3" idx="3"/>
+          </p:cNvCxnSpPr>
+          <p:nvPr/>
+        </p:nvCxnSpPr>
+        <p:spPr>
+          <a:xfrm flipH="1">
+            <a:off x="6093124" y="3128514"/>
+            <a:ext cx="1132937" cy="0"/>
+          </a:xfrm>
+          <a:prstGeom prst="straightConnector1">
+            <a:avLst/>
+          </a:prstGeom>
+          <a:ln>
+            <a:tailEnd type="triangle"/>
+          </a:ln>
+        </p:spPr>
+        <p:style>
+          <a:lnRef idx="1">
+            <a:schemeClr val="accent1"/>
+          </a:lnRef>
+          <a:fillRef idx="0">
+            <a:schemeClr val="accent1"/>
+          </a:fillRef>
+          <a:effectRef idx="0">
+            <a:schemeClr val="accent1"/>
+          </a:effectRef>
+          <a:fontRef idx="minor">
+            <a:schemeClr val="tx1"/>
+          </a:fontRef>
+        </p:style>
+      </p:cxnSp>
+      <p:cxnSp>
+        <p:nvCxnSpPr>
+          <p:cNvPr id="24" name="Straight Arrow Connector 23">
+            <a:extLst>
+              <a:ext uri="{FF2B5EF4-FFF2-40B4-BE49-F238E27FC236}">
+                <a16:creationId xmlns:a16="http://schemas.microsoft.com/office/drawing/2014/main" id="{6AB9CDB9-0A13-7CA5-0686-87CCE9A445BC}"/>
+              </a:ext>
+            </a:extLst>
+          </p:cNvPr>
+          <p:cNvCxnSpPr>
+            <a:cxnSpLocks/>
+            <a:stCxn id="3" idx="1"/>
+            <a:endCxn id="8" idx="3"/>
+          </p:cNvCxnSpPr>
+          <p:nvPr/>
+        </p:nvCxnSpPr>
+        <p:spPr>
+          <a:xfrm flipH="1">
+            <a:off x="3079629" y="3128514"/>
+            <a:ext cx="1150190" cy="0"/>
+          </a:xfrm>
+          <a:prstGeom prst="straightConnector1">
+            <a:avLst/>
+          </a:prstGeom>
+          <a:ln>
+            <a:tailEnd type="triangle"/>
+          </a:ln>
+        </p:spPr>
+        <p:style>
+          <a:lnRef idx="1">
+            <a:schemeClr val="accent1"/>
+          </a:lnRef>
+          <a:fillRef idx="0">
+            <a:schemeClr val="accent1"/>
+          </a:fillRef>
+          <a:effectRef idx="0">
+            <a:schemeClr val="accent1"/>
+          </a:effectRef>
+          <a:fontRef idx="minor">
+            <a:schemeClr val="tx1"/>
+          </a:fontRef>
+        </p:style>
+      </p:cxnSp>
+      <p:cxnSp>
+        <p:nvCxnSpPr>
+          <p:cNvPr id="25" name="Straight Arrow Connector 24">
+            <a:extLst>
+              <a:ext uri="{FF2B5EF4-FFF2-40B4-BE49-F238E27FC236}">
+                <a16:creationId xmlns:a16="http://schemas.microsoft.com/office/drawing/2014/main" id="{027A5A39-7E9D-8704-19B7-53B6EB3A0951}"/>
+              </a:ext>
+            </a:extLst>
+          </p:cNvPr>
+          <p:cNvCxnSpPr>
+            <a:cxnSpLocks/>
+            <a:stCxn id="8" idx="2"/>
+            <a:endCxn id="10" idx="0"/>
+          </p:cNvCxnSpPr>
+          <p:nvPr/>
+        </p:nvCxnSpPr>
+        <p:spPr>
+          <a:xfrm flipH="1">
+            <a:off x="2147976" y="3585714"/>
+            <a:ext cx="1" cy="606725"/>
+          </a:xfrm>
+          <a:prstGeom prst="straightConnector1">
+            <a:avLst/>
+          </a:prstGeom>
+          <a:ln>
+            <a:solidFill>
+              <a:srgbClr val="00B050"/>
+            </a:solidFill>
+            <a:tailEnd type="triangle"/>
+          </a:ln>
+        </p:spPr>
+        <p:style>
+          <a:lnRef idx="1">
+            <a:schemeClr val="accent1"/>
+          </a:lnRef>
+          <a:fillRef idx="0">
+            <a:schemeClr val="accent1"/>
+          </a:fillRef>
+          <a:effectRef idx="0">
+            <a:schemeClr val="accent1"/>
+          </a:effectRef>
+          <a:fontRef idx="minor">
+            <a:schemeClr val="tx1"/>
+          </a:fontRef>
+        </p:style>
+      </p:cxnSp>
+      <p:cxnSp>
+        <p:nvCxnSpPr>
+          <p:cNvPr id="26" name="Straight Arrow Connector 25">
+            <a:extLst>
+              <a:ext uri="{FF2B5EF4-FFF2-40B4-BE49-F238E27FC236}">
+                <a16:creationId xmlns:a16="http://schemas.microsoft.com/office/drawing/2014/main" id="{F94A0943-0916-2F7A-C3DB-20D4353742FC}"/>
+              </a:ext>
+            </a:extLst>
+          </p:cNvPr>
+          <p:cNvCxnSpPr>
+            <a:cxnSpLocks/>
+            <a:stCxn id="16" idx="3"/>
+            <a:endCxn id="14" idx="1"/>
+          </p:cNvCxnSpPr>
+          <p:nvPr/>
+        </p:nvCxnSpPr>
+        <p:spPr>
+          <a:xfrm>
+            <a:off x="9207257" y="4649639"/>
+            <a:ext cx="948909" cy="5752"/>
+          </a:xfrm>
+          <a:prstGeom prst="straightConnector1">
+            <a:avLst/>
+          </a:prstGeom>
+          <a:ln>
+            <a:solidFill>
+              <a:srgbClr val="00B050"/>
+            </a:solidFill>
+            <a:tailEnd type="triangle"/>
+          </a:ln>
+        </p:spPr>
+        <p:style>
+          <a:lnRef idx="1">
+            <a:schemeClr val="accent1"/>
+          </a:lnRef>
+          <a:fillRef idx="0">
+            <a:schemeClr val="accent1"/>
+          </a:fillRef>
+          <a:effectRef idx="0">
+            <a:schemeClr val="accent1"/>
+          </a:effectRef>
+          <a:fontRef idx="minor">
+            <a:schemeClr val="tx1"/>
+          </a:fontRef>
+        </p:style>
+      </p:cxnSp>
+      <p:cxnSp>
+        <p:nvCxnSpPr>
+          <p:cNvPr id="27" name="Straight Arrow Connector 26">
+            <a:extLst>
+              <a:ext uri="{FF2B5EF4-FFF2-40B4-BE49-F238E27FC236}">
+                <a16:creationId xmlns:a16="http://schemas.microsoft.com/office/drawing/2014/main" id="{26CA0642-080B-6C84-49A0-550E86D09DE5}"/>
+              </a:ext>
+            </a:extLst>
+          </p:cNvPr>
+          <p:cNvCxnSpPr>
+            <a:cxnSpLocks/>
+            <a:stCxn id="13" idx="3"/>
+            <a:endCxn id="16" idx="1"/>
+          </p:cNvCxnSpPr>
+          <p:nvPr/>
+        </p:nvCxnSpPr>
+        <p:spPr>
+          <a:xfrm>
+            <a:off x="6093123" y="4649639"/>
+            <a:ext cx="1250829" cy="0"/>
+          </a:xfrm>
+          <a:prstGeom prst="straightConnector1">
+            <a:avLst/>
+          </a:prstGeom>
+          <a:ln>
+            <a:solidFill>
+              <a:srgbClr val="00B050"/>
+            </a:solidFill>
+            <a:tailEnd type="triangle"/>
+          </a:ln>
+        </p:spPr>
+        <p:style>
+          <a:lnRef idx="1">
+            <a:schemeClr val="accent1"/>
+          </a:lnRef>
+          <a:fillRef idx="0">
+            <a:schemeClr val="accent1"/>
+          </a:fillRef>
+          <a:effectRef idx="0">
+            <a:schemeClr val="accent1"/>
+          </a:effectRef>
+          <a:fontRef idx="minor">
+            <a:schemeClr val="tx1"/>
+          </a:fontRef>
+        </p:style>
+      </p:cxnSp>
+      <p:cxnSp>
+        <p:nvCxnSpPr>
+          <p:cNvPr id="28" name="Straight Arrow Connector 27">
+            <a:extLst>
+              <a:ext uri="{FF2B5EF4-FFF2-40B4-BE49-F238E27FC236}">
+                <a16:creationId xmlns:a16="http://schemas.microsoft.com/office/drawing/2014/main" id="{CD5DFDA4-DEB6-4F8B-7FE2-FF403B75BAB0}"/>
+              </a:ext>
+            </a:extLst>
+          </p:cNvPr>
+          <p:cNvCxnSpPr>
+            <a:cxnSpLocks/>
+            <a:stCxn id="10" idx="3"/>
+            <a:endCxn id="13" idx="1"/>
+          </p:cNvCxnSpPr>
+          <p:nvPr/>
+        </p:nvCxnSpPr>
+        <p:spPr>
+          <a:xfrm>
+            <a:off x="3079628" y="4649639"/>
+            <a:ext cx="1150190" cy="0"/>
+          </a:xfrm>
+          <a:prstGeom prst="straightConnector1">
+            <a:avLst/>
+          </a:prstGeom>
+          <a:ln>
+            <a:solidFill>
+              <a:srgbClr val="00B050"/>
+            </a:solidFill>
+            <a:tailEnd type="triangle"/>
+          </a:ln>
+        </p:spPr>
+        <p:style>
+          <a:lnRef idx="1">
+            <a:schemeClr val="accent1"/>
+          </a:lnRef>
+          <a:fillRef idx="0">
+            <a:schemeClr val="accent1"/>
+          </a:fillRef>
+          <a:effectRef idx="0">
+            <a:schemeClr val="accent1"/>
+          </a:effectRef>
+          <a:fontRef idx="minor">
+            <a:schemeClr val="tx1"/>
+          </a:fontRef>
+        </p:style>
+      </p:cxnSp>
+      <p:cxnSp>
+        <p:nvCxnSpPr>
+          <p:cNvPr id="29" name="Straight Arrow Connector 28">
+            <a:extLst>
+              <a:ext uri="{FF2B5EF4-FFF2-40B4-BE49-F238E27FC236}">
+                <a16:creationId xmlns:a16="http://schemas.microsoft.com/office/drawing/2014/main" id="{7491C27F-F10D-E5C1-2050-5D680BF8F80B}"/>
+              </a:ext>
+            </a:extLst>
+          </p:cNvPr>
+          <p:cNvCxnSpPr>
+            <a:cxnSpLocks/>
+            <a:stCxn id="12" idx="1"/>
+            <a:endCxn id="15" idx="3"/>
+          </p:cNvCxnSpPr>
+          <p:nvPr/>
+        </p:nvCxnSpPr>
+        <p:spPr>
+          <a:xfrm flipH="1">
+            <a:off x="9207257" y="6176518"/>
+            <a:ext cx="948909" cy="0"/>
+          </a:xfrm>
+          <a:prstGeom prst="straightConnector1">
+            <a:avLst/>
+          </a:prstGeom>
+          <a:ln>
+            <a:solidFill>
+              <a:srgbClr val="00B050"/>
+            </a:solidFill>
+            <a:tailEnd type="triangle"/>
+          </a:ln>
+        </p:spPr>
+        <p:style>
+          <a:lnRef idx="1">
+            <a:schemeClr val="accent1"/>
+          </a:lnRef>
+          <a:fillRef idx="0">
+            <a:schemeClr val="accent1"/>
+          </a:fillRef>
+          <a:effectRef idx="0">
+            <a:schemeClr val="accent1"/>
+          </a:effectRef>
+          <a:fontRef idx="minor">
+            <a:schemeClr val="tx1"/>
+          </a:fontRef>
+        </p:style>
+      </p:cxnSp>
+      <p:cxnSp>
+        <p:nvCxnSpPr>
+          <p:cNvPr id="30" name="Straight Arrow Connector 29">
+            <a:extLst>
+              <a:ext uri="{FF2B5EF4-FFF2-40B4-BE49-F238E27FC236}">
+                <a16:creationId xmlns:a16="http://schemas.microsoft.com/office/drawing/2014/main" id="{229B7C39-705E-2AF5-F43B-9F35DDCC7300}"/>
+              </a:ext>
+            </a:extLst>
+          </p:cNvPr>
+          <p:cNvCxnSpPr>
+            <a:cxnSpLocks/>
+            <a:stCxn id="14" idx="2"/>
+            <a:endCxn id="12" idx="0"/>
+          </p:cNvCxnSpPr>
+          <p:nvPr/>
+        </p:nvCxnSpPr>
+        <p:spPr>
+          <a:xfrm>
+            <a:off x="11087819" y="5112591"/>
+            <a:ext cx="0" cy="606727"/>
+          </a:xfrm>
+          <a:prstGeom prst="straightConnector1">
+            <a:avLst/>
+          </a:prstGeom>
+          <a:ln>
+            <a:solidFill>
+              <a:srgbClr val="00B050"/>
+            </a:solidFill>
+            <a:tailEnd type="triangle"/>
+          </a:ln>
+        </p:spPr>
+        <p:style>
+          <a:lnRef idx="1">
+            <a:schemeClr val="accent1"/>
+          </a:lnRef>
+          <a:fillRef idx="0">
+            <a:schemeClr val="accent1"/>
+          </a:fillRef>
+          <a:effectRef idx="0">
+            <a:schemeClr val="accent1"/>
+          </a:effectRef>
+          <a:fontRef idx="minor">
+            <a:schemeClr val="tx1"/>
+          </a:fontRef>
+        </p:style>
+      </p:cxnSp>
+      <p:cxnSp>
+        <p:nvCxnSpPr>
+          <p:cNvPr id="31" name="Straight Arrow Connector 30">
+            <a:extLst>
+              <a:ext uri="{FF2B5EF4-FFF2-40B4-BE49-F238E27FC236}">
+                <a16:creationId xmlns:a16="http://schemas.microsoft.com/office/drawing/2014/main" id="{6C4454BB-2FCF-F94E-3CC4-9A102CDB7CCD}"/>
+              </a:ext>
+            </a:extLst>
+          </p:cNvPr>
+          <p:cNvCxnSpPr>
+            <a:cxnSpLocks/>
+            <a:stCxn id="15" idx="1"/>
+            <a:endCxn id="11" idx="3"/>
+          </p:cNvCxnSpPr>
+          <p:nvPr/>
+        </p:nvCxnSpPr>
+        <p:spPr>
+          <a:xfrm flipH="1">
+            <a:off x="6093124" y="6176518"/>
+            <a:ext cx="1250828" cy="0"/>
+          </a:xfrm>
+          <a:prstGeom prst="straightConnector1">
+            <a:avLst/>
+          </a:prstGeom>
+          <a:ln>
+            <a:solidFill>
+              <a:srgbClr val="00B050"/>
+            </a:solidFill>
+            <a:tailEnd type="triangle"/>
+          </a:ln>
+        </p:spPr>
+        <p:style>
+          <a:lnRef idx="1">
+            <a:schemeClr val="accent1"/>
+          </a:lnRef>
+          <a:fillRef idx="0">
+            <a:schemeClr val="accent1"/>
+          </a:fillRef>
+          <a:effectRef idx="0">
+            <a:schemeClr val="accent1"/>
+          </a:effectRef>
+          <a:fontRef idx="minor">
+            <a:schemeClr val="tx1"/>
+          </a:fontRef>
+        </p:style>
+      </p:cxnSp>
+      <p:cxnSp>
+        <p:nvCxnSpPr>
+          <p:cNvPr id="32" name="Straight Arrow Connector 31">
+            <a:extLst>
+              <a:ext uri="{FF2B5EF4-FFF2-40B4-BE49-F238E27FC236}">
+                <a16:creationId xmlns:a16="http://schemas.microsoft.com/office/drawing/2014/main" id="{89A2703E-EA3F-C163-6ADD-D7713CA709F5}"/>
+              </a:ext>
+            </a:extLst>
+          </p:cNvPr>
+          <p:cNvCxnSpPr>
+            <a:cxnSpLocks/>
+            <a:stCxn id="11" idx="1"/>
+            <a:endCxn id="17" idx="3"/>
+          </p:cNvCxnSpPr>
+          <p:nvPr/>
+        </p:nvCxnSpPr>
+        <p:spPr>
+          <a:xfrm flipH="1">
+            <a:off x="3079627" y="6176518"/>
+            <a:ext cx="1150192" cy="0"/>
+          </a:xfrm>
+          <a:prstGeom prst="straightConnector1">
+            <a:avLst/>
+          </a:prstGeom>
+          <a:ln>
+            <a:solidFill>
+              <a:srgbClr val="00B050"/>
+            </a:solidFill>
+            <a:tailEnd type="triangle"/>
+          </a:ln>
+        </p:spPr>
+        <p:style>
+          <a:lnRef idx="1">
+            <a:schemeClr val="accent1"/>
+          </a:lnRef>
+          <a:fillRef idx="0">
+            <a:schemeClr val="accent1"/>
+          </a:fillRef>
+          <a:effectRef idx="0">
+            <a:schemeClr val="accent1"/>
+          </a:effectRef>
+          <a:fontRef idx="minor">
+            <a:schemeClr val="tx1"/>
+          </a:fontRef>
+        </p:style>
+      </p:cxnSp>
+      <p:sp>
+        <p:nvSpPr>
+          <p:cNvPr id="33" name="TextBox 32">
+            <a:extLst>
+              <a:ext uri="{FF2B5EF4-FFF2-40B4-BE49-F238E27FC236}">
+                <a16:creationId xmlns:a16="http://schemas.microsoft.com/office/drawing/2014/main" id="{7065188F-3E2A-D61B-00D5-069E3496A947}"/>
+              </a:ext>
+            </a:extLst>
+          </p:cNvPr>
+          <p:cNvSpPr txBox="1"/>
+          <p:nvPr/>
+        </p:nvSpPr>
+        <p:spPr>
+          <a:xfrm>
+            <a:off x="7226061" y="1730310"/>
+            <a:ext cx="1842492" cy="461665"/>
+          </a:xfrm>
+          <a:prstGeom prst="rect">
+            <a:avLst/>
+          </a:prstGeom>
+          <a:noFill/>
+        </p:spPr>
+        <p:txBody>
+          <a:bodyPr wrap="none" rtlCol="0">
+            <a:spAutoFit/>
+          </a:bodyPr>
+          <a:lstStyle/>
+          <a:p>
+            <a:r>
+              <a:rPr lang="en-US" sz="1200" dirty="0"/>
+              <a:t>Converts Human readable </a:t>
+            </a:r>
+          </a:p>
+          <a:p>
+            <a:r>
+              <a:rPr lang="en-US" sz="1200" dirty="0"/>
+              <a:t>to binary</a:t>
+            </a:r>
+            <a:endParaRPr lang="en-IN" sz="1200" dirty="0"/>
+          </a:p>
+        </p:txBody>
+      </p:sp>
+      <p:sp>
+        <p:nvSpPr>
+          <p:cNvPr id="34" name="TextBox 33">
+            <a:extLst>
+              <a:ext uri="{FF2B5EF4-FFF2-40B4-BE49-F238E27FC236}">
+                <a16:creationId xmlns:a16="http://schemas.microsoft.com/office/drawing/2014/main" id="{1BC167BC-5947-7D45-6E02-685DB122A915}"/>
+              </a:ext>
+            </a:extLst>
+          </p:cNvPr>
+          <p:cNvSpPr txBox="1"/>
+          <p:nvPr/>
+        </p:nvSpPr>
+        <p:spPr>
+          <a:xfrm>
+            <a:off x="7532105" y="5292632"/>
+            <a:ext cx="1388201" cy="461665"/>
+          </a:xfrm>
+          <a:prstGeom prst="rect">
+            <a:avLst/>
+          </a:prstGeom>
+          <a:noFill/>
+        </p:spPr>
+        <p:txBody>
+          <a:bodyPr wrap="none" rtlCol="0">
+            <a:spAutoFit/>
+          </a:bodyPr>
+          <a:lstStyle/>
+          <a:p>
+            <a:r>
+              <a:rPr lang="en-US" sz="1200" dirty="0"/>
+              <a:t>Converts binary  </a:t>
+            </a:r>
+          </a:p>
+          <a:p>
+            <a:r>
+              <a:rPr lang="en-US" sz="1200" dirty="0"/>
+              <a:t>to Human readable</a:t>
+            </a:r>
+            <a:endParaRPr lang="en-IN" sz="1200" dirty="0"/>
+          </a:p>
+        </p:txBody>
+      </p:sp>
+      <p:sp>
+        <p:nvSpPr>
+          <p:cNvPr id="35" name="TextBox 34">
+            <a:extLst>
+              <a:ext uri="{FF2B5EF4-FFF2-40B4-BE49-F238E27FC236}">
+                <a16:creationId xmlns:a16="http://schemas.microsoft.com/office/drawing/2014/main" id="{498904A9-C272-4C6E-1524-6E59F685BD8F}"/>
+              </a:ext>
+            </a:extLst>
+          </p:cNvPr>
+          <p:cNvSpPr txBox="1"/>
+          <p:nvPr/>
+        </p:nvSpPr>
+        <p:spPr>
+          <a:xfrm>
+            <a:off x="10099522" y="398015"/>
+            <a:ext cx="1964449" cy="461665"/>
+          </a:xfrm>
+          <a:prstGeom prst="rect">
+            <a:avLst/>
+          </a:prstGeom>
+          <a:noFill/>
+        </p:spPr>
+        <p:txBody>
+          <a:bodyPr wrap="none" rtlCol="0">
+            <a:spAutoFit/>
+          </a:bodyPr>
+          <a:lstStyle/>
+          <a:p>
+            <a:r>
+              <a:rPr lang="en-US" sz="1200" dirty="0"/>
+              <a:t>Check whether The receiver </a:t>
+            </a:r>
+          </a:p>
+          <a:p>
+            <a:r>
+              <a:rPr lang="en-US" sz="1200" dirty="0"/>
+              <a:t>can receive the message   </a:t>
+            </a:r>
+          </a:p>
+        </p:txBody>
+      </p:sp>
+      <p:sp>
+        <p:nvSpPr>
+          <p:cNvPr id="36" name="TextBox 35">
+            <a:extLst>
+              <a:ext uri="{FF2B5EF4-FFF2-40B4-BE49-F238E27FC236}">
+                <a16:creationId xmlns:a16="http://schemas.microsoft.com/office/drawing/2014/main" id="{01E55887-7849-1406-538B-DAD5E19F6D34}"/>
+              </a:ext>
+            </a:extLst>
+          </p:cNvPr>
+          <p:cNvSpPr txBox="1"/>
+          <p:nvPr/>
+        </p:nvSpPr>
+        <p:spPr>
+          <a:xfrm>
+            <a:off x="10401186" y="2237844"/>
+            <a:ext cx="1373261" cy="461665"/>
+          </a:xfrm>
+          <a:prstGeom prst="rect">
+            <a:avLst/>
+          </a:prstGeom>
+          <a:noFill/>
+        </p:spPr>
+        <p:txBody>
+          <a:bodyPr wrap="none" rtlCol="0">
+            <a:spAutoFit/>
+          </a:bodyPr>
+          <a:lstStyle/>
+          <a:p>
+            <a:r>
+              <a:rPr lang="en-US" sz="1200" dirty="0"/>
+              <a:t>Convert the whole </a:t>
+            </a:r>
+          </a:p>
+          <a:p>
+            <a:r>
+              <a:rPr lang="en-US" sz="1200" dirty="0"/>
+              <a:t>data into Packets</a:t>
+            </a:r>
+          </a:p>
+        </p:txBody>
+      </p:sp>
+      <p:sp>
+        <p:nvSpPr>
+          <p:cNvPr id="37" name="TextBox 36">
+            <a:extLst>
+              <a:ext uri="{FF2B5EF4-FFF2-40B4-BE49-F238E27FC236}">
+                <a16:creationId xmlns:a16="http://schemas.microsoft.com/office/drawing/2014/main" id="{129F78A2-FB7B-298C-ED00-8D6A92D53567}"/>
+              </a:ext>
+            </a:extLst>
+          </p:cNvPr>
+          <p:cNvSpPr txBox="1"/>
+          <p:nvPr/>
+        </p:nvSpPr>
+        <p:spPr>
+          <a:xfrm>
+            <a:off x="7226061" y="2272711"/>
+            <a:ext cx="2000291" cy="461665"/>
+          </a:xfrm>
+          <a:prstGeom prst="rect">
+            <a:avLst/>
+          </a:prstGeom>
+          <a:noFill/>
+        </p:spPr>
+        <p:txBody>
+          <a:bodyPr wrap="none" rtlCol="0">
+            <a:spAutoFit/>
+          </a:bodyPr>
+          <a:lstStyle/>
+          <a:p>
+            <a:r>
+              <a:rPr lang="en-US" sz="1200" dirty="0"/>
+              <a:t>Logical Addressing </a:t>
+            </a:r>
+          </a:p>
+          <a:p>
+            <a:r>
+              <a:rPr lang="en-US" sz="1200" dirty="0"/>
+              <a:t>Routing , Path Determination</a:t>
+            </a:r>
+          </a:p>
+        </p:txBody>
+      </p:sp>
+      <p:sp>
+        <p:nvSpPr>
+          <p:cNvPr id="38" name="TextBox 37">
+            <a:extLst>
+              <a:ext uri="{FF2B5EF4-FFF2-40B4-BE49-F238E27FC236}">
+                <a16:creationId xmlns:a16="http://schemas.microsoft.com/office/drawing/2014/main" id="{5BC8ECEF-3B70-1493-6383-A19DB14EB12B}"/>
+              </a:ext>
+            </a:extLst>
+          </p:cNvPr>
+          <p:cNvSpPr txBox="1"/>
+          <p:nvPr/>
+        </p:nvSpPr>
+        <p:spPr>
+          <a:xfrm>
+            <a:off x="4407673" y="2394999"/>
+            <a:ext cx="1401730" cy="276999"/>
+          </a:xfrm>
+          <a:prstGeom prst="rect">
+            <a:avLst/>
+          </a:prstGeom>
+          <a:noFill/>
+        </p:spPr>
+        <p:txBody>
+          <a:bodyPr wrap="none" rtlCol="0">
+            <a:spAutoFit/>
+          </a:bodyPr>
+          <a:lstStyle/>
+          <a:p>
+            <a:r>
+              <a:rPr lang="en-US" sz="1200" dirty="0"/>
+              <a:t>Physical Addressing</a:t>
+            </a:r>
+          </a:p>
+        </p:txBody>
+      </p:sp>
+      <p:sp>
+        <p:nvSpPr>
+          <p:cNvPr id="39" name="TextBox 38">
+            <a:extLst>
+              <a:ext uri="{FF2B5EF4-FFF2-40B4-BE49-F238E27FC236}">
+                <a16:creationId xmlns:a16="http://schemas.microsoft.com/office/drawing/2014/main" id="{B8CB6AB1-DB32-5E66-5C8D-00E63CFB68C1}"/>
+              </a:ext>
+            </a:extLst>
+          </p:cNvPr>
+          <p:cNvSpPr txBox="1"/>
+          <p:nvPr/>
+        </p:nvSpPr>
+        <p:spPr>
+          <a:xfrm>
+            <a:off x="10395115" y="3788351"/>
+            <a:ext cx="1628907" cy="461665"/>
+          </a:xfrm>
+          <a:prstGeom prst="rect">
+            <a:avLst/>
+          </a:prstGeom>
+          <a:noFill/>
+        </p:spPr>
+        <p:txBody>
+          <a:bodyPr wrap="none" rtlCol="0">
+            <a:spAutoFit/>
+          </a:bodyPr>
+          <a:lstStyle/>
+          <a:p>
+            <a:r>
+              <a:rPr lang="en-US" sz="1200" dirty="0"/>
+              <a:t>Convert the packets to </a:t>
+            </a:r>
+          </a:p>
+          <a:p>
+            <a:r>
+              <a:rPr lang="en-US" sz="1200" dirty="0"/>
+              <a:t>whole data</a:t>
+            </a:r>
+          </a:p>
+        </p:txBody>
+      </p:sp>
+      <p:sp>
+        <p:nvSpPr>
+          <p:cNvPr id="40" name="TextBox 39">
+            <a:extLst>
+              <a:ext uri="{FF2B5EF4-FFF2-40B4-BE49-F238E27FC236}">
+                <a16:creationId xmlns:a16="http://schemas.microsoft.com/office/drawing/2014/main" id="{2DC30D43-333B-E269-C5DB-A40D93400E9E}"/>
+              </a:ext>
+            </a:extLst>
+          </p:cNvPr>
+          <p:cNvSpPr txBox="1"/>
+          <p:nvPr/>
+        </p:nvSpPr>
+        <p:spPr>
+          <a:xfrm>
+            <a:off x="10156166" y="5338958"/>
+            <a:ext cx="1918795" cy="461665"/>
+          </a:xfrm>
+          <a:prstGeom prst="rect">
+            <a:avLst/>
+          </a:prstGeom>
+          <a:noFill/>
+        </p:spPr>
+        <p:txBody>
+          <a:bodyPr wrap="none" rtlCol="0">
+            <a:spAutoFit/>
+          </a:bodyPr>
+          <a:lstStyle/>
+          <a:p>
+            <a:r>
+              <a:rPr lang="en-US" sz="1200" dirty="0"/>
+              <a:t>Sends Acknowledgement to</a:t>
+            </a:r>
+          </a:p>
+          <a:p>
+            <a:r>
+              <a:rPr lang="en-US" sz="1200" dirty="0"/>
+              <a:t> the sender</a:t>
+            </a:r>
+          </a:p>
+        </p:txBody>
+      </p:sp>
+    </p:spTree>
+    <p:extLst>
+      <p:ext uri="{BB962C8B-B14F-4D97-AF65-F5344CB8AC3E}">
+        <p14:creationId xmlns:p14="http://schemas.microsoft.com/office/powerpoint/2010/main" val="4127165526"/>
+      </p:ext>
+    </p:extLst>
+  </p:cSld>
+  <p:clrMapOvr>
+    <a:masterClrMapping/>
+  </p:clrMapOvr>
+</p:sld>
+</file>
+
 <file path=ppt/theme/theme1.xml><?xml version="1.0" encoding="utf-8"?>
 <a:theme xmlns:a="http://schemas.openxmlformats.org/drawingml/2006/main" name="Office Theme">
   <a:themeElements>
